--- a/픽스어빌리티 비즈니스 모델 설명.pptx
+++ b/픽스어빌리티 비즈니스 모델 설명.pptx
@@ -172,7 +172,7 @@
           <a:p>
             <a:fld id="{B5EB7415-5BC6-4BC1-8405-68A0B30FDC10}" type="datetimeFigureOut">
               <a:rPr lang="ko-KR" altLang="en-US" smtClean="0"/>
-              <a:t>2020-11-25</a:t>
+              <a:t>2020-11-26</a:t>
             </a:fld>
             <a:endParaRPr lang="ko-KR" altLang="en-US"/>
           </a:p>
@@ -222,7 +222,7 @@
           <p:nvPr userDrawn="1"/>
         </p:nvPicPr>
         <p:blipFill rotWithShape="1">
-          <a:blip r:embed="rId2">
+          <a:blip r:embed="rId2" cstate="hqprint">
             <a:extLst>
               <a:ext uri="{28A0092B-C50C-407E-A947-70E740481C1C}">
                 <a14:useLocalDpi xmlns:a14="http://schemas.microsoft.com/office/drawing/2010/main" val="0"/>
@@ -257,7 +257,7 @@
           <p:nvPr userDrawn="1"/>
         </p:nvPicPr>
         <p:blipFill rotWithShape="1">
-          <a:blip r:embed="rId2">
+          <a:blip r:embed="rId3" cstate="hqprint">
             <a:extLst>
               <a:ext uri="{28A0092B-C50C-407E-A947-70E740481C1C}">
                 <a14:useLocalDpi xmlns:a14="http://schemas.microsoft.com/office/drawing/2010/main" val="0"/>
@@ -292,7 +292,7 @@
           <p:nvPr userDrawn="1"/>
         </p:nvPicPr>
         <p:blipFill rotWithShape="1">
-          <a:blip r:embed="rId3">
+          <a:blip r:embed="rId4">
             <a:extLst>
               <a:ext uri="{28A0092B-C50C-407E-A947-70E740481C1C}">
                 <a14:useLocalDpi xmlns:a14="http://schemas.microsoft.com/office/drawing/2010/main" val="0"/>
@@ -505,7 +505,7 @@
           <a:p>
             <a:fld id="{B5EB7415-5BC6-4BC1-8405-68A0B30FDC10}" type="datetimeFigureOut">
               <a:rPr lang="ko-KR" altLang="en-US" smtClean="0"/>
-              <a:t>2020-11-25</a:t>
+              <a:t>2020-11-26</a:t>
             </a:fld>
             <a:endParaRPr lang="ko-KR" altLang="en-US"/>
           </a:p>
@@ -713,7 +713,7 @@
           <a:p>
             <a:fld id="{B5EB7415-5BC6-4BC1-8405-68A0B30FDC10}" type="datetimeFigureOut">
               <a:rPr lang="ko-KR" altLang="en-US" smtClean="0"/>
-              <a:t>2020-11-25</a:t>
+              <a:t>2020-11-26</a:t>
             </a:fld>
             <a:endParaRPr lang="ko-KR" altLang="en-US"/>
           </a:p>
@@ -911,7 +911,7 @@
           <a:p>
             <a:fld id="{B5EB7415-5BC6-4BC1-8405-68A0B30FDC10}" type="datetimeFigureOut">
               <a:rPr lang="ko-KR" altLang="en-US" smtClean="0"/>
-              <a:t>2020-11-25</a:t>
+              <a:t>2020-11-26</a:t>
             </a:fld>
             <a:endParaRPr lang="ko-KR" altLang="en-US"/>
           </a:p>
@@ -1186,7 +1186,7 @@
           <a:p>
             <a:fld id="{B5EB7415-5BC6-4BC1-8405-68A0B30FDC10}" type="datetimeFigureOut">
               <a:rPr lang="ko-KR" altLang="en-US" smtClean="0"/>
-              <a:t>2020-11-25</a:t>
+              <a:t>2020-11-26</a:t>
             </a:fld>
             <a:endParaRPr lang="ko-KR" altLang="en-US"/>
           </a:p>
@@ -1451,7 +1451,7 @@
           <a:p>
             <a:fld id="{B5EB7415-5BC6-4BC1-8405-68A0B30FDC10}" type="datetimeFigureOut">
               <a:rPr lang="ko-KR" altLang="en-US" smtClean="0"/>
-              <a:t>2020-11-25</a:t>
+              <a:t>2020-11-26</a:t>
             </a:fld>
             <a:endParaRPr lang="ko-KR" altLang="en-US"/>
           </a:p>
@@ -1863,7 +1863,7 @@
           <a:p>
             <a:fld id="{B5EB7415-5BC6-4BC1-8405-68A0B30FDC10}" type="datetimeFigureOut">
               <a:rPr lang="ko-KR" altLang="en-US" smtClean="0"/>
-              <a:t>2020-11-25</a:t>
+              <a:t>2020-11-26</a:t>
             </a:fld>
             <a:endParaRPr lang="ko-KR" altLang="en-US"/>
           </a:p>
@@ -2004,7 +2004,7 @@
           <a:p>
             <a:fld id="{B5EB7415-5BC6-4BC1-8405-68A0B30FDC10}" type="datetimeFigureOut">
               <a:rPr lang="ko-KR" altLang="en-US" smtClean="0"/>
-              <a:t>2020-11-25</a:t>
+              <a:t>2020-11-26</a:t>
             </a:fld>
             <a:endParaRPr lang="ko-KR" altLang="en-US"/>
           </a:p>
@@ -2117,7 +2117,7 @@
           <a:p>
             <a:fld id="{B5EB7415-5BC6-4BC1-8405-68A0B30FDC10}" type="datetimeFigureOut">
               <a:rPr lang="ko-KR" altLang="en-US" smtClean="0"/>
-              <a:t>2020-11-25</a:t>
+              <a:t>2020-11-26</a:t>
             </a:fld>
             <a:endParaRPr lang="ko-KR" altLang="en-US"/>
           </a:p>
@@ -2428,7 +2428,7 @@
           <a:p>
             <a:fld id="{B5EB7415-5BC6-4BC1-8405-68A0B30FDC10}" type="datetimeFigureOut">
               <a:rPr lang="ko-KR" altLang="en-US" smtClean="0"/>
-              <a:t>2020-11-25</a:t>
+              <a:t>2020-11-26</a:t>
             </a:fld>
             <a:endParaRPr lang="ko-KR" altLang="en-US"/>
           </a:p>
@@ -2716,7 +2716,7 @@
           <a:p>
             <a:fld id="{B5EB7415-5BC6-4BC1-8405-68A0B30FDC10}" type="datetimeFigureOut">
               <a:rPr lang="ko-KR" altLang="en-US" smtClean="0"/>
-              <a:t>2020-11-25</a:t>
+              <a:t>2020-11-26</a:t>
             </a:fld>
             <a:endParaRPr lang="ko-KR" altLang="en-US"/>
           </a:p>
@@ -2957,7 +2957,7 @@
           <a:p>
             <a:fld id="{B5EB7415-5BC6-4BC1-8405-68A0B30FDC10}" type="datetimeFigureOut">
               <a:rPr lang="ko-KR" altLang="en-US" smtClean="0"/>
-              <a:t>2020-11-25</a:t>
+              <a:t>2020-11-26</a:t>
             </a:fld>
             <a:endParaRPr lang="ko-KR" altLang="en-US"/>
           </a:p>
@@ -3414,6 +3414,18 @@
                 <a:ea typeface="나눔바른고딕" panose="020B0603020101020101" pitchFamily="50" charset="-127"/>
               </a:rPr>
               <a:t>비즈니스 모델 설명</a:t>
+            </a:r>
+            <a:r>
+              <a:rPr lang="en-US" altLang="ko-KR" sz="4400" dirty="0">
+                <a:solidFill>
+                  <a:schemeClr val="bg2">
+                    <a:lumMod val="50000"/>
+                  </a:schemeClr>
+                </a:solidFill>
+                <a:latin typeface="나눔바른고딕" panose="020B0603020101020101" pitchFamily="50" charset="-127"/>
+                <a:ea typeface="나눔바른고딕" panose="020B0603020101020101" pitchFamily="50" charset="-127"/>
+              </a:rPr>
+              <a:t/>
             </a:r>
             <a:br>
               <a:rPr lang="en-US" altLang="ko-KR" sz="4400" dirty="0">
@@ -5752,41 +5764,6 @@
           <a:chExt cx="0" cy="0"/>
         </a:xfrm>
       </p:grpSpPr>
-      <p:pic>
-        <p:nvPicPr>
-          <p:cNvPr id="6" name="그림 5">
-            <a:extLst>
-              <a:ext uri="{FF2B5EF4-FFF2-40B4-BE49-F238E27FC236}">
-                <a16:creationId xmlns:a16="http://schemas.microsoft.com/office/drawing/2014/main" id="{FF0A10C9-963E-42F4-9AB9-CA581BFCAEA9}"/>
-              </a:ext>
-            </a:extLst>
-          </p:cNvPr>
-          <p:cNvPicPr>
-            <a:picLocks noChangeAspect="1"/>
-          </p:cNvPicPr>
-          <p:nvPr/>
-        </p:nvPicPr>
-        <p:blipFill rotWithShape="1">
-          <a:blip r:embed="rId2">
-            <a:extLst>
-              <a:ext uri="{28A0092B-C50C-407E-A947-70E740481C1C}">
-                <a14:useLocalDpi xmlns:a14="http://schemas.microsoft.com/office/drawing/2010/main" val="0"/>
-              </a:ext>
-            </a:extLst>
-          </a:blip>
-          <a:srcRect t="66030"/>
-          <a:stretch/>
-        </p:blipFill>
-        <p:spPr>
-          <a:xfrm>
-            <a:off x="5605029" y="6268825"/>
-            <a:ext cx="1132769" cy="303788"/>
-          </a:xfrm>
-          <a:prstGeom prst="rect">
-            <a:avLst/>
-          </a:prstGeom>
-        </p:spPr>
-      </p:pic>
     </p:spTree>
     <p:extLst>
       <p:ext uri="{BB962C8B-B14F-4D97-AF65-F5344CB8AC3E}">
@@ -5817,41 +5794,6 @@
           <a:chExt cx="0" cy="0"/>
         </a:xfrm>
       </p:grpSpPr>
-      <p:pic>
-        <p:nvPicPr>
-          <p:cNvPr id="6" name="그림 5">
-            <a:extLst>
-              <a:ext uri="{FF2B5EF4-FFF2-40B4-BE49-F238E27FC236}">
-                <a16:creationId xmlns:a16="http://schemas.microsoft.com/office/drawing/2014/main" id="{FF0A10C9-963E-42F4-9AB9-CA581BFCAEA9}"/>
-              </a:ext>
-            </a:extLst>
-          </p:cNvPr>
-          <p:cNvPicPr>
-            <a:picLocks noChangeAspect="1"/>
-          </p:cNvPicPr>
-          <p:nvPr/>
-        </p:nvPicPr>
-        <p:blipFill rotWithShape="1">
-          <a:blip r:embed="rId2">
-            <a:extLst>
-              <a:ext uri="{28A0092B-C50C-407E-A947-70E740481C1C}">
-                <a14:useLocalDpi xmlns:a14="http://schemas.microsoft.com/office/drawing/2010/main" val="0"/>
-              </a:ext>
-            </a:extLst>
-          </a:blip>
-          <a:srcRect t="66030"/>
-          <a:stretch/>
-        </p:blipFill>
-        <p:spPr>
-          <a:xfrm>
-            <a:off x="5605029" y="6268825"/>
-            <a:ext cx="1132769" cy="303788"/>
-          </a:xfrm>
-          <a:prstGeom prst="rect">
-            <a:avLst/>
-          </a:prstGeom>
-        </p:spPr>
-      </p:pic>
     </p:spTree>
     <p:extLst>
       <p:ext uri="{BB962C8B-B14F-4D97-AF65-F5344CB8AC3E}">
@@ -6189,41 +6131,6 @@
           <a:chExt cx="0" cy="0"/>
         </a:xfrm>
       </p:grpSpPr>
-      <p:pic>
-        <p:nvPicPr>
-          <p:cNvPr id="6" name="그림 5">
-            <a:extLst>
-              <a:ext uri="{FF2B5EF4-FFF2-40B4-BE49-F238E27FC236}">
-                <a16:creationId xmlns:a16="http://schemas.microsoft.com/office/drawing/2014/main" id="{FF0A10C9-963E-42F4-9AB9-CA581BFCAEA9}"/>
-              </a:ext>
-            </a:extLst>
-          </p:cNvPr>
-          <p:cNvPicPr>
-            <a:picLocks noChangeAspect="1"/>
-          </p:cNvPicPr>
-          <p:nvPr/>
-        </p:nvPicPr>
-        <p:blipFill rotWithShape="1">
-          <a:blip r:embed="rId2">
-            <a:extLst>
-              <a:ext uri="{28A0092B-C50C-407E-A947-70E740481C1C}">
-                <a14:useLocalDpi xmlns:a14="http://schemas.microsoft.com/office/drawing/2010/main" val="0"/>
-              </a:ext>
-            </a:extLst>
-          </a:blip>
-          <a:srcRect t="66030"/>
-          <a:stretch/>
-        </p:blipFill>
-        <p:spPr>
-          <a:xfrm>
-            <a:off x="5605029" y="6268825"/>
-            <a:ext cx="1132769" cy="303788"/>
-          </a:xfrm>
-          <a:prstGeom prst="rect">
-            <a:avLst/>
-          </a:prstGeom>
-        </p:spPr>
-      </p:pic>
     </p:spTree>
     <p:extLst>
       <p:ext uri="{BB962C8B-B14F-4D97-AF65-F5344CB8AC3E}">
@@ -6254,41 +6161,6 @@
           <a:chExt cx="0" cy="0"/>
         </a:xfrm>
       </p:grpSpPr>
-      <p:pic>
-        <p:nvPicPr>
-          <p:cNvPr id="6" name="그림 5">
-            <a:extLst>
-              <a:ext uri="{FF2B5EF4-FFF2-40B4-BE49-F238E27FC236}">
-                <a16:creationId xmlns:a16="http://schemas.microsoft.com/office/drawing/2014/main" id="{FF0A10C9-963E-42F4-9AB9-CA581BFCAEA9}"/>
-              </a:ext>
-            </a:extLst>
-          </p:cNvPr>
-          <p:cNvPicPr>
-            <a:picLocks noChangeAspect="1"/>
-          </p:cNvPicPr>
-          <p:nvPr/>
-        </p:nvPicPr>
-        <p:blipFill rotWithShape="1">
-          <a:blip r:embed="rId2">
-            <a:extLst>
-              <a:ext uri="{28A0092B-C50C-407E-A947-70E740481C1C}">
-                <a14:useLocalDpi xmlns:a14="http://schemas.microsoft.com/office/drawing/2010/main" val="0"/>
-              </a:ext>
-            </a:extLst>
-          </a:blip>
-          <a:srcRect t="66030"/>
-          <a:stretch/>
-        </p:blipFill>
-        <p:spPr>
-          <a:xfrm>
-            <a:off x="5605029" y="6268825"/>
-            <a:ext cx="1132769" cy="303788"/>
-          </a:xfrm>
-          <a:prstGeom prst="rect">
-            <a:avLst/>
-          </a:prstGeom>
-        </p:spPr>
-      </p:pic>
     </p:spTree>
     <p:extLst>
       <p:ext uri="{BB962C8B-B14F-4D97-AF65-F5344CB8AC3E}">
@@ -9337,28 +9209,40 @@
               <a:t>,AI,</a:t>
             </a:r>
             <a:r>
-              <a:rPr lang="ko-KR" altLang="en-US" dirty="0" err="1">
-                <a:solidFill>
-                  <a:schemeClr val="bg2">
-                    <a:lumMod val="50000"/>
-                  </a:schemeClr>
-                </a:solidFill>
-                <a:latin typeface="나눔바른고딕" panose="020B0603020101020101" pitchFamily="50" charset="-127"/>
-                <a:ea typeface="나눔바른고딕" panose="020B0603020101020101" pitchFamily="50" charset="-127"/>
-              </a:rPr>
-              <a:t>빅데이타</a:t>
-            </a:r>
-            <a:r>
-              <a:rPr lang="en-US" altLang="ko-KR" dirty="0">
-                <a:solidFill>
-                  <a:schemeClr val="bg2">
-                    <a:lumMod val="50000"/>
-                  </a:schemeClr>
-                </a:solidFill>
-                <a:latin typeface="나눔바른고딕" panose="020B0603020101020101" pitchFamily="50" charset="-127"/>
-                <a:ea typeface="나눔바른고딕" panose="020B0603020101020101" pitchFamily="50" charset="-127"/>
-              </a:rPr>
-              <a:t>,ERP,CS,ARS</a:t>
+              <a:rPr lang="ko-KR" altLang="en-US" dirty="0" smtClean="0">
+                <a:solidFill>
+                  <a:schemeClr val="bg2">
+                    <a:lumMod val="50000"/>
+                  </a:schemeClr>
+                </a:solidFill>
+                <a:latin typeface="나눔바른고딕" panose="020B0603020101020101" pitchFamily="50" charset="-127"/>
+                <a:ea typeface="나눔바른고딕" panose="020B0603020101020101" pitchFamily="50" charset="-127"/>
+              </a:rPr>
+              <a:t>빅데이터</a:t>
+            </a:r>
+            <a:r>
+              <a:rPr lang="en-US" altLang="ko-KR" dirty="0" smtClean="0">
+                <a:solidFill>
+                  <a:schemeClr val="bg2">
+                    <a:lumMod val="50000"/>
+                  </a:schemeClr>
+                </a:solidFill>
+                <a:latin typeface="나눔바른고딕" panose="020B0603020101020101" pitchFamily="50" charset="-127"/>
+                <a:ea typeface="나눔바른고딕" panose="020B0603020101020101" pitchFamily="50" charset="-127"/>
+              </a:rPr>
+              <a:t>,</a:t>
+            </a:r>
+            <a:r>
+              <a:rPr lang="en-US" altLang="ko-KR" dirty="0">
+                <a:solidFill>
+                  <a:schemeClr val="bg2">
+                    <a:lumMod val="50000"/>
+                  </a:schemeClr>
+                </a:solidFill>
+                <a:latin typeface="나눔바른고딕" panose="020B0603020101020101" pitchFamily="50" charset="-127"/>
+                <a:ea typeface="나눔바른고딕" panose="020B0603020101020101" pitchFamily="50" charset="-127"/>
+              </a:rPr>
+              <a:t>ERP,CS,ARS</a:t>
             </a:r>
             <a:r>
               <a:rPr lang="ko-KR" altLang="en-US" dirty="0">
@@ -9578,28 +9462,28 @@
               <a:t>,</a:t>
             </a:r>
             <a:r>
-              <a:rPr lang="ko-KR" altLang="en-US" dirty="0" err="1">
-                <a:solidFill>
-                  <a:schemeClr val="bg2">
-                    <a:lumMod val="50000"/>
-                  </a:schemeClr>
-                </a:solidFill>
-                <a:latin typeface="나눔바른고딕" panose="020B0603020101020101" pitchFamily="50" charset="-127"/>
-                <a:ea typeface="나눔바른고딕" panose="020B0603020101020101" pitchFamily="50" charset="-127"/>
-              </a:rPr>
-              <a:t>영상데이타관리</a:t>
-            </a:r>
-            <a:r>
-              <a:rPr lang="ko-KR" altLang="en-US" dirty="0">
-                <a:solidFill>
-                  <a:schemeClr val="bg2">
-                    <a:lumMod val="50000"/>
-                  </a:schemeClr>
-                </a:solidFill>
-                <a:latin typeface="나눔바른고딕" panose="020B0603020101020101" pitchFamily="50" charset="-127"/>
-                <a:ea typeface="나눔바른고딕" panose="020B0603020101020101" pitchFamily="50" charset="-127"/>
-              </a:rPr>
-              <a:t> 등</a:t>
+              <a:rPr lang="ko-KR" altLang="en-US" dirty="0" smtClean="0">
+                <a:solidFill>
+                  <a:schemeClr val="bg2">
+                    <a:lumMod val="50000"/>
+                  </a:schemeClr>
+                </a:solidFill>
+                <a:latin typeface="나눔바른고딕" panose="020B0603020101020101" pitchFamily="50" charset="-127"/>
+                <a:ea typeface="나눔바른고딕" panose="020B0603020101020101" pitchFamily="50" charset="-127"/>
+              </a:rPr>
+              <a:t>영상데이터관리 </a:t>
+            </a:r>
+            <a:r>
+              <a:rPr lang="ko-KR" altLang="en-US" dirty="0">
+                <a:solidFill>
+                  <a:schemeClr val="bg2">
+                    <a:lumMod val="50000"/>
+                  </a:schemeClr>
+                </a:solidFill>
+                <a:latin typeface="나눔바른고딕" panose="020B0603020101020101" pitchFamily="50" charset="-127"/>
+                <a:ea typeface="나눔바른고딕" panose="020B0603020101020101" pitchFamily="50" charset="-127"/>
+              </a:rPr>
+              <a:t>등</a:t>
             </a:r>
             <a:endParaRPr lang="en-US" altLang="ko-KR" dirty="0">
               <a:solidFill>
@@ -10386,19 +10270,19 @@
               <a:t>,</a:t>
             </a:r>
             <a:r>
-              <a:rPr lang="ko-KR" altLang="en-US" dirty="0" err="1">
-                <a:solidFill>
-                  <a:schemeClr val="bg2">
-                    <a:lumMod val="50000"/>
-                  </a:schemeClr>
-                </a:solidFill>
-                <a:latin typeface="나눔바른고딕" panose="020B0603020101020101" pitchFamily="50" charset="-127"/>
-                <a:ea typeface="나눔바른고딕" panose="020B0603020101020101" pitchFamily="50" charset="-127"/>
-              </a:rPr>
-              <a:t>메신져</a:t>
-            </a:r>
-            <a:r>
-              <a:rPr lang="en-US" altLang="ko-KR" dirty="0">
+              <a:rPr lang="ko-KR" altLang="en-US" dirty="0" smtClean="0">
+                <a:solidFill>
+                  <a:schemeClr val="bg2">
+                    <a:lumMod val="50000"/>
+                  </a:schemeClr>
+                </a:solidFill>
+                <a:latin typeface="나눔바른고딕" panose="020B0603020101020101" pitchFamily="50" charset="-127"/>
+                <a:ea typeface="나눔바른고딕" panose="020B0603020101020101" pitchFamily="50" charset="-127"/>
+              </a:rPr>
+              <a:t>메신저</a:t>
+            </a:r>
+            <a:r>
+              <a:rPr lang="en-US" altLang="ko-KR" dirty="0" smtClean="0">
                 <a:solidFill>
                   <a:schemeClr val="bg2">
                     <a:lumMod val="50000"/>
